--- a/ppt 16-9/0877.同胞哪有灵胞亲.pptx
+++ b/ppt 16-9/0877.同胞哪有灵胞亲.pptx
@@ -5,7 +5,7 @@
     <p:sldMasterId id="2147483648" r:id="rId1"/>
   </p:sldMasterIdLst>
   <p:sldIdLst>
-    <p:sldId id="2188" r:id="rId2"/>
+    <p:sldId id="2190" r:id="rId2"/>
   </p:sldIdLst>
   <p:sldSz cx="12192000" cy="6858000"/>
   <p:notesSz cx="6858000" cy="9144000"/>
@@ -129,7 +129,7 @@
           <p:cNvPr id="2" name="标题 1">
             <a:extLst>
               <a:ext uri="{FF2B5EF4-FFF2-40B4-BE49-F238E27FC236}">
-                <a16:creationId xmlns:a16="http://schemas.microsoft.com/office/drawing/2014/main" id="{AB92057A-DF92-7AE4-75EA-B9E73C7381D5}"/>
+                <a16:creationId xmlns:a16="http://schemas.microsoft.com/office/drawing/2014/main" id="{31D54465-A465-ADB5-376F-FBED7BA54636}"/>
               </a:ext>
             </a:extLst>
           </p:cNvPr>
@@ -166,7 +166,7 @@
           <p:cNvPr id="3" name="副标题 2">
             <a:extLst>
               <a:ext uri="{FF2B5EF4-FFF2-40B4-BE49-F238E27FC236}">
-                <a16:creationId xmlns:a16="http://schemas.microsoft.com/office/drawing/2014/main" id="{F3FCE4D1-7DA8-E6CF-CC35-237BA36B0B6A}"/>
+                <a16:creationId xmlns:a16="http://schemas.microsoft.com/office/drawing/2014/main" id="{27FB431C-0A53-CBE2-76DB-80DEC6DE464D}"/>
               </a:ext>
             </a:extLst>
           </p:cNvPr>
@@ -236,7 +236,7 @@
           <p:cNvPr id="4" name="日期占位符 3">
             <a:extLst>
               <a:ext uri="{FF2B5EF4-FFF2-40B4-BE49-F238E27FC236}">
-                <a16:creationId xmlns:a16="http://schemas.microsoft.com/office/drawing/2014/main" id="{8A0A1001-060E-B2CA-BB4B-78A9EAF1D85B}"/>
+                <a16:creationId xmlns:a16="http://schemas.microsoft.com/office/drawing/2014/main" id="{22A34767-3F4A-60DD-8BF4-ACEEFA8041F3}"/>
               </a:ext>
             </a:extLst>
           </p:cNvPr>
@@ -252,7 +252,7 @@
           <a:bodyPr/>
           <a:lstStyle/>
           <a:p>
-            <a:fld id="{DD481124-B3B8-4D49-810C-CFD115B4792B}" type="datetimeFigureOut">
+            <a:fld id="{0B90D8ED-0D70-4E65-8CF2-6E025873F411}" type="datetimeFigureOut">
               <a:rPr lang="zh-CN" altLang="en-US" smtClean="0"/>
               <a:t>2024/3/10</a:t>
             </a:fld>
@@ -265,7 +265,7 @@
           <p:cNvPr id="5" name="页脚占位符 4">
             <a:extLst>
               <a:ext uri="{FF2B5EF4-FFF2-40B4-BE49-F238E27FC236}">
-                <a16:creationId xmlns:a16="http://schemas.microsoft.com/office/drawing/2014/main" id="{6070E1FA-A4BC-4EB9-3C04-C9F8FB685225}"/>
+                <a16:creationId xmlns:a16="http://schemas.microsoft.com/office/drawing/2014/main" id="{3E0D709D-D84F-2CEA-0AEF-6542AF1DFCF7}"/>
               </a:ext>
             </a:extLst>
           </p:cNvPr>
@@ -290,7 +290,7 @@
           <p:cNvPr id="6" name="灯片编号占位符 5">
             <a:extLst>
               <a:ext uri="{FF2B5EF4-FFF2-40B4-BE49-F238E27FC236}">
-                <a16:creationId xmlns:a16="http://schemas.microsoft.com/office/drawing/2014/main" id="{EDAF67C7-30D2-481C-9413-AB29A275176A}"/>
+                <a16:creationId xmlns:a16="http://schemas.microsoft.com/office/drawing/2014/main" id="{4699BE8A-3AB8-59EB-3B7A-3B5B65AD5823}"/>
               </a:ext>
             </a:extLst>
           </p:cNvPr>
@@ -306,7 +306,7 @@
           <a:bodyPr/>
           <a:lstStyle/>
           <a:p>
-            <a:fld id="{1632F4BE-3C1C-4F07-A1E4-FC9BD320CFFF}" type="slidenum">
+            <a:fld id="{63AC7DAD-8305-483E-9B52-262CB7BAEC1C}" type="slidenum">
               <a:rPr lang="zh-CN" altLang="en-US" smtClean="0"/>
               <a:t>‹#›</a:t>
             </a:fld>
@@ -317,7 +317,7 @@
     </p:spTree>
     <p:extLst>
       <p:ext uri="{BB962C8B-B14F-4D97-AF65-F5344CB8AC3E}">
-        <p14:creationId xmlns:p14="http://schemas.microsoft.com/office/powerpoint/2010/main" val="2491936642"/>
+        <p14:creationId xmlns:p14="http://schemas.microsoft.com/office/powerpoint/2010/main" val="162478558"/>
       </p:ext>
     </p:extLst>
   </p:cSld>
@@ -349,7 +349,7 @@
           <p:cNvPr id="2" name="标题 1">
             <a:extLst>
               <a:ext uri="{FF2B5EF4-FFF2-40B4-BE49-F238E27FC236}">
-                <a16:creationId xmlns:a16="http://schemas.microsoft.com/office/drawing/2014/main" id="{1CD07BB9-0B19-B789-8A85-2CDD8FD7A976}"/>
+                <a16:creationId xmlns:a16="http://schemas.microsoft.com/office/drawing/2014/main" id="{139FC6F6-E895-86F7-89FE-766901332984}"/>
               </a:ext>
             </a:extLst>
           </p:cNvPr>
@@ -377,7 +377,7 @@
           <p:cNvPr id="3" name="竖排文字占位符 2">
             <a:extLst>
               <a:ext uri="{FF2B5EF4-FFF2-40B4-BE49-F238E27FC236}">
-                <a16:creationId xmlns:a16="http://schemas.microsoft.com/office/drawing/2014/main" id="{9B03F7B3-C162-7D48-989C-62746BF20966}"/>
+                <a16:creationId xmlns:a16="http://schemas.microsoft.com/office/drawing/2014/main" id="{F1D9FD89-AF08-A946-8969-DB4D993CC7A7}"/>
               </a:ext>
             </a:extLst>
           </p:cNvPr>
@@ -434,7 +434,7 @@
           <p:cNvPr id="4" name="日期占位符 3">
             <a:extLst>
               <a:ext uri="{FF2B5EF4-FFF2-40B4-BE49-F238E27FC236}">
-                <a16:creationId xmlns:a16="http://schemas.microsoft.com/office/drawing/2014/main" id="{C5DA466D-B94E-FABC-85B1-0ED86A540D34}"/>
+                <a16:creationId xmlns:a16="http://schemas.microsoft.com/office/drawing/2014/main" id="{80B2FE08-E1C1-A33B-2480-BC303AF64165}"/>
               </a:ext>
             </a:extLst>
           </p:cNvPr>
@@ -450,7 +450,7 @@
           <a:bodyPr/>
           <a:lstStyle/>
           <a:p>
-            <a:fld id="{DD481124-B3B8-4D49-810C-CFD115B4792B}" type="datetimeFigureOut">
+            <a:fld id="{0B90D8ED-0D70-4E65-8CF2-6E025873F411}" type="datetimeFigureOut">
               <a:rPr lang="zh-CN" altLang="en-US" smtClean="0"/>
               <a:t>2024/3/10</a:t>
             </a:fld>
@@ -463,7 +463,7 @@
           <p:cNvPr id="5" name="页脚占位符 4">
             <a:extLst>
               <a:ext uri="{FF2B5EF4-FFF2-40B4-BE49-F238E27FC236}">
-                <a16:creationId xmlns:a16="http://schemas.microsoft.com/office/drawing/2014/main" id="{7E78D97D-6968-18AF-0CFB-3F947F5A6AC7}"/>
+                <a16:creationId xmlns:a16="http://schemas.microsoft.com/office/drawing/2014/main" id="{282EE3F3-9010-490B-207A-F4397095D796}"/>
               </a:ext>
             </a:extLst>
           </p:cNvPr>
@@ -488,7 +488,7 @@
           <p:cNvPr id="6" name="灯片编号占位符 5">
             <a:extLst>
               <a:ext uri="{FF2B5EF4-FFF2-40B4-BE49-F238E27FC236}">
-                <a16:creationId xmlns:a16="http://schemas.microsoft.com/office/drawing/2014/main" id="{276CBD0F-816F-D47F-788E-C1582367E55C}"/>
+                <a16:creationId xmlns:a16="http://schemas.microsoft.com/office/drawing/2014/main" id="{9377E82B-C2A3-5D36-92AC-35143E0624F9}"/>
               </a:ext>
             </a:extLst>
           </p:cNvPr>
@@ -504,7 +504,7 @@
           <a:bodyPr/>
           <a:lstStyle/>
           <a:p>
-            <a:fld id="{1632F4BE-3C1C-4F07-A1E4-FC9BD320CFFF}" type="slidenum">
+            <a:fld id="{63AC7DAD-8305-483E-9B52-262CB7BAEC1C}" type="slidenum">
               <a:rPr lang="zh-CN" altLang="en-US" smtClean="0"/>
               <a:t>‹#›</a:t>
             </a:fld>
@@ -515,7 +515,7 @@
     </p:spTree>
     <p:extLst>
       <p:ext uri="{BB962C8B-B14F-4D97-AF65-F5344CB8AC3E}">
-        <p14:creationId xmlns:p14="http://schemas.microsoft.com/office/powerpoint/2010/main" val="1470585507"/>
+        <p14:creationId xmlns:p14="http://schemas.microsoft.com/office/powerpoint/2010/main" val="1822085632"/>
       </p:ext>
     </p:extLst>
   </p:cSld>
@@ -547,7 +547,7 @@
           <p:cNvPr id="2" name="竖排标题 1">
             <a:extLst>
               <a:ext uri="{FF2B5EF4-FFF2-40B4-BE49-F238E27FC236}">
-                <a16:creationId xmlns:a16="http://schemas.microsoft.com/office/drawing/2014/main" id="{ECC81A34-9EAA-55B8-4D55-4EECE4B41C11}"/>
+                <a16:creationId xmlns:a16="http://schemas.microsoft.com/office/drawing/2014/main" id="{26500403-708B-37DD-C62C-0973233BD6B0}"/>
               </a:ext>
             </a:extLst>
           </p:cNvPr>
@@ -580,7 +580,7 @@
           <p:cNvPr id="3" name="竖排文字占位符 2">
             <a:extLst>
               <a:ext uri="{FF2B5EF4-FFF2-40B4-BE49-F238E27FC236}">
-                <a16:creationId xmlns:a16="http://schemas.microsoft.com/office/drawing/2014/main" id="{9A8DF31D-6A07-95F0-C94A-DE7DA89FE11F}"/>
+                <a16:creationId xmlns:a16="http://schemas.microsoft.com/office/drawing/2014/main" id="{4199A621-FC9A-C8A2-C8F5-A00ABEB4868C}"/>
               </a:ext>
             </a:extLst>
           </p:cNvPr>
@@ -642,7 +642,7 @@
           <p:cNvPr id="4" name="日期占位符 3">
             <a:extLst>
               <a:ext uri="{FF2B5EF4-FFF2-40B4-BE49-F238E27FC236}">
-                <a16:creationId xmlns:a16="http://schemas.microsoft.com/office/drawing/2014/main" id="{6EFEF1A2-73E4-A79C-488D-2C561E3D7D96}"/>
+                <a16:creationId xmlns:a16="http://schemas.microsoft.com/office/drawing/2014/main" id="{C60B2980-5F3D-CFD8-AAD4-C6ED21875609}"/>
               </a:ext>
             </a:extLst>
           </p:cNvPr>
@@ -658,7 +658,7 @@
           <a:bodyPr/>
           <a:lstStyle/>
           <a:p>
-            <a:fld id="{DD481124-B3B8-4D49-810C-CFD115B4792B}" type="datetimeFigureOut">
+            <a:fld id="{0B90D8ED-0D70-4E65-8CF2-6E025873F411}" type="datetimeFigureOut">
               <a:rPr lang="zh-CN" altLang="en-US" smtClean="0"/>
               <a:t>2024/3/10</a:t>
             </a:fld>
@@ -671,7 +671,7 @@
           <p:cNvPr id="5" name="页脚占位符 4">
             <a:extLst>
               <a:ext uri="{FF2B5EF4-FFF2-40B4-BE49-F238E27FC236}">
-                <a16:creationId xmlns:a16="http://schemas.microsoft.com/office/drawing/2014/main" id="{6ADA26E7-283D-20EE-BF29-EA08DC0B9239}"/>
+                <a16:creationId xmlns:a16="http://schemas.microsoft.com/office/drawing/2014/main" id="{A4F515D7-8E40-0BE2-B9DB-86CED7BCC489}"/>
               </a:ext>
             </a:extLst>
           </p:cNvPr>
@@ -696,7 +696,7 @@
           <p:cNvPr id="6" name="灯片编号占位符 5">
             <a:extLst>
               <a:ext uri="{FF2B5EF4-FFF2-40B4-BE49-F238E27FC236}">
-                <a16:creationId xmlns:a16="http://schemas.microsoft.com/office/drawing/2014/main" id="{970687C2-61E6-5511-1E36-4D482E4DFB97}"/>
+                <a16:creationId xmlns:a16="http://schemas.microsoft.com/office/drawing/2014/main" id="{81669EFA-2B62-5B96-34D7-5781286E11B7}"/>
               </a:ext>
             </a:extLst>
           </p:cNvPr>
@@ -712,7 +712,7 @@
           <a:bodyPr/>
           <a:lstStyle/>
           <a:p>
-            <a:fld id="{1632F4BE-3C1C-4F07-A1E4-FC9BD320CFFF}" type="slidenum">
+            <a:fld id="{63AC7DAD-8305-483E-9B52-262CB7BAEC1C}" type="slidenum">
               <a:rPr lang="zh-CN" altLang="en-US" smtClean="0"/>
               <a:t>‹#›</a:t>
             </a:fld>
@@ -723,7 +723,7 @@
     </p:spTree>
     <p:extLst>
       <p:ext uri="{BB962C8B-B14F-4D97-AF65-F5344CB8AC3E}">
-        <p14:creationId xmlns:p14="http://schemas.microsoft.com/office/powerpoint/2010/main" val="2380302173"/>
+        <p14:creationId xmlns:p14="http://schemas.microsoft.com/office/powerpoint/2010/main" val="43144715"/>
       </p:ext>
     </p:extLst>
   </p:cSld>
@@ -755,7 +755,7 @@
           <p:cNvPr id="2" name="标题 1">
             <a:extLst>
               <a:ext uri="{FF2B5EF4-FFF2-40B4-BE49-F238E27FC236}">
-                <a16:creationId xmlns:a16="http://schemas.microsoft.com/office/drawing/2014/main" id="{44B66D70-D730-6D54-ED7B-4580995CB2E2}"/>
+                <a16:creationId xmlns:a16="http://schemas.microsoft.com/office/drawing/2014/main" id="{6D407691-1531-52B9-1D69-A7EC41F4359A}"/>
               </a:ext>
             </a:extLst>
           </p:cNvPr>
@@ -783,7 +783,7 @@
           <p:cNvPr id="3" name="内容占位符 2">
             <a:extLst>
               <a:ext uri="{FF2B5EF4-FFF2-40B4-BE49-F238E27FC236}">
-                <a16:creationId xmlns:a16="http://schemas.microsoft.com/office/drawing/2014/main" id="{15975605-106F-25A2-A86C-E28132024307}"/>
+                <a16:creationId xmlns:a16="http://schemas.microsoft.com/office/drawing/2014/main" id="{B555BA6A-A1C9-D75D-68CB-0314F6A7A06F}"/>
               </a:ext>
             </a:extLst>
           </p:cNvPr>
@@ -840,7 +840,7 @@
           <p:cNvPr id="4" name="日期占位符 3">
             <a:extLst>
               <a:ext uri="{FF2B5EF4-FFF2-40B4-BE49-F238E27FC236}">
-                <a16:creationId xmlns:a16="http://schemas.microsoft.com/office/drawing/2014/main" id="{BC9BC16B-0EF6-51C7-24C3-C82710AFFB19}"/>
+                <a16:creationId xmlns:a16="http://schemas.microsoft.com/office/drawing/2014/main" id="{1C1D5603-F16E-60CD-CDAF-73989A287AB2}"/>
               </a:ext>
             </a:extLst>
           </p:cNvPr>
@@ -856,7 +856,7 @@
           <a:bodyPr/>
           <a:lstStyle/>
           <a:p>
-            <a:fld id="{DD481124-B3B8-4D49-810C-CFD115B4792B}" type="datetimeFigureOut">
+            <a:fld id="{0B90D8ED-0D70-4E65-8CF2-6E025873F411}" type="datetimeFigureOut">
               <a:rPr lang="zh-CN" altLang="en-US" smtClean="0"/>
               <a:t>2024/3/10</a:t>
             </a:fld>
@@ -869,7 +869,7 @@
           <p:cNvPr id="5" name="页脚占位符 4">
             <a:extLst>
               <a:ext uri="{FF2B5EF4-FFF2-40B4-BE49-F238E27FC236}">
-                <a16:creationId xmlns:a16="http://schemas.microsoft.com/office/drawing/2014/main" id="{8C75F334-8E58-FB19-8168-C0D7C0989754}"/>
+                <a16:creationId xmlns:a16="http://schemas.microsoft.com/office/drawing/2014/main" id="{AD2C7CF8-6AF6-26B7-8B93-77998F2C1F64}"/>
               </a:ext>
             </a:extLst>
           </p:cNvPr>
@@ -894,7 +894,7 @@
           <p:cNvPr id="6" name="灯片编号占位符 5">
             <a:extLst>
               <a:ext uri="{FF2B5EF4-FFF2-40B4-BE49-F238E27FC236}">
-                <a16:creationId xmlns:a16="http://schemas.microsoft.com/office/drawing/2014/main" id="{3FEEFDEB-FCFF-656C-56B5-A85DFE87EDEA}"/>
+                <a16:creationId xmlns:a16="http://schemas.microsoft.com/office/drawing/2014/main" id="{15C1B0DC-DE27-CA1A-91EA-57BF2153A009}"/>
               </a:ext>
             </a:extLst>
           </p:cNvPr>
@@ -910,7 +910,7 @@
           <a:bodyPr/>
           <a:lstStyle/>
           <a:p>
-            <a:fld id="{1632F4BE-3C1C-4F07-A1E4-FC9BD320CFFF}" type="slidenum">
+            <a:fld id="{63AC7DAD-8305-483E-9B52-262CB7BAEC1C}" type="slidenum">
               <a:rPr lang="zh-CN" altLang="en-US" smtClean="0"/>
               <a:t>‹#›</a:t>
             </a:fld>
@@ -921,7 +921,7 @@
     </p:spTree>
     <p:extLst>
       <p:ext uri="{BB962C8B-B14F-4D97-AF65-F5344CB8AC3E}">
-        <p14:creationId xmlns:p14="http://schemas.microsoft.com/office/powerpoint/2010/main" val="904297875"/>
+        <p14:creationId xmlns:p14="http://schemas.microsoft.com/office/powerpoint/2010/main" val="3709249703"/>
       </p:ext>
     </p:extLst>
   </p:cSld>
@@ -953,7 +953,7 @@
           <p:cNvPr id="2" name="标题 1">
             <a:extLst>
               <a:ext uri="{FF2B5EF4-FFF2-40B4-BE49-F238E27FC236}">
-                <a16:creationId xmlns:a16="http://schemas.microsoft.com/office/drawing/2014/main" id="{904E5A05-54E7-A82A-9F42-787115224F05}"/>
+                <a16:creationId xmlns:a16="http://schemas.microsoft.com/office/drawing/2014/main" id="{0C10B62A-A3E4-B7D6-930B-783183B61FA3}"/>
               </a:ext>
             </a:extLst>
           </p:cNvPr>
@@ -990,7 +990,7 @@
           <p:cNvPr id="3" name="文本占位符 2">
             <a:extLst>
               <a:ext uri="{FF2B5EF4-FFF2-40B4-BE49-F238E27FC236}">
-                <a16:creationId xmlns:a16="http://schemas.microsoft.com/office/drawing/2014/main" id="{B204734E-DF55-401B-617A-43660AA4CE59}"/>
+                <a16:creationId xmlns:a16="http://schemas.microsoft.com/office/drawing/2014/main" id="{A3DC398F-0C75-D76C-3820-6621C5C6D9DE}"/>
               </a:ext>
             </a:extLst>
           </p:cNvPr>
@@ -1115,7 +1115,7 @@
           <p:cNvPr id="4" name="日期占位符 3">
             <a:extLst>
               <a:ext uri="{FF2B5EF4-FFF2-40B4-BE49-F238E27FC236}">
-                <a16:creationId xmlns:a16="http://schemas.microsoft.com/office/drawing/2014/main" id="{0A1903B8-E487-6E9D-465E-515ABDD65726}"/>
+                <a16:creationId xmlns:a16="http://schemas.microsoft.com/office/drawing/2014/main" id="{1B8DA289-F427-DCE9-A57B-0513F86D4411}"/>
               </a:ext>
             </a:extLst>
           </p:cNvPr>
@@ -1131,7 +1131,7 @@
           <a:bodyPr/>
           <a:lstStyle/>
           <a:p>
-            <a:fld id="{DD481124-B3B8-4D49-810C-CFD115B4792B}" type="datetimeFigureOut">
+            <a:fld id="{0B90D8ED-0D70-4E65-8CF2-6E025873F411}" type="datetimeFigureOut">
               <a:rPr lang="zh-CN" altLang="en-US" smtClean="0"/>
               <a:t>2024/3/10</a:t>
             </a:fld>
@@ -1144,7 +1144,7 @@
           <p:cNvPr id="5" name="页脚占位符 4">
             <a:extLst>
               <a:ext uri="{FF2B5EF4-FFF2-40B4-BE49-F238E27FC236}">
-                <a16:creationId xmlns:a16="http://schemas.microsoft.com/office/drawing/2014/main" id="{41EDD9A2-59C7-9F9B-029A-898B2AD422B3}"/>
+                <a16:creationId xmlns:a16="http://schemas.microsoft.com/office/drawing/2014/main" id="{63CD37DF-1D01-006E-513C-3AC69407E65B}"/>
               </a:ext>
             </a:extLst>
           </p:cNvPr>
@@ -1169,7 +1169,7 @@
           <p:cNvPr id="6" name="灯片编号占位符 5">
             <a:extLst>
               <a:ext uri="{FF2B5EF4-FFF2-40B4-BE49-F238E27FC236}">
-                <a16:creationId xmlns:a16="http://schemas.microsoft.com/office/drawing/2014/main" id="{733214A3-304A-A3A4-F9DF-C695109862A4}"/>
+                <a16:creationId xmlns:a16="http://schemas.microsoft.com/office/drawing/2014/main" id="{62695AF2-FA2F-A27A-718C-CDB82D019588}"/>
               </a:ext>
             </a:extLst>
           </p:cNvPr>
@@ -1185,7 +1185,7 @@
           <a:bodyPr/>
           <a:lstStyle/>
           <a:p>
-            <a:fld id="{1632F4BE-3C1C-4F07-A1E4-FC9BD320CFFF}" type="slidenum">
+            <a:fld id="{63AC7DAD-8305-483E-9B52-262CB7BAEC1C}" type="slidenum">
               <a:rPr lang="zh-CN" altLang="en-US" smtClean="0"/>
               <a:t>‹#›</a:t>
             </a:fld>
@@ -1196,7 +1196,7 @@
     </p:spTree>
     <p:extLst>
       <p:ext uri="{BB962C8B-B14F-4D97-AF65-F5344CB8AC3E}">
-        <p14:creationId xmlns:p14="http://schemas.microsoft.com/office/powerpoint/2010/main" val="2247422376"/>
+        <p14:creationId xmlns:p14="http://schemas.microsoft.com/office/powerpoint/2010/main" val="1272909269"/>
       </p:ext>
     </p:extLst>
   </p:cSld>
@@ -1228,7 +1228,7 @@
           <p:cNvPr id="2" name="标题 1">
             <a:extLst>
               <a:ext uri="{FF2B5EF4-FFF2-40B4-BE49-F238E27FC236}">
-                <a16:creationId xmlns:a16="http://schemas.microsoft.com/office/drawing/2014/main" id="{3E5737BF-EFB4-09A8-DEA2-228C598761AF}"/>
+                <a16:creationId xmlns:a16="http://schemas.microsoft.com/office/drawing/2014/main" id="{31D58A28-DC19-E17B-7326-8FA92E1222C9}"/>
               </a:ext>
             </a:extLst>
           </p:cNvPr>
@@ -1256,7 +1256,7 @@
           <p:cNvPr id="3" name="内容占位符 2">
             <a:extLst>
               <a:ext uri="{FF2B5EF4-FFF2-40B4-BE49-F238E27FC236}">
-                <a16:creationId xmlns:a16="http://schemas.microsoft.com/office/drawing/2014/main" id="{CB853D95-CAD1-3354-4D84-F6F9A4E1F9A6}"/>
+                <a16:creationId xmlns:a16="http://schemas.microsoft.com/office/drawing/2014/main" id="{42E66DA3-6911-267A-0B3D-9A6130898A9A}"/>
               </a:ext>
             </a:extLst>
           </p:cNvPr>
@@ -1318,7 +1318,7 @@
           <p:cNvPr id="4" name="内容占位符 3">
             <a:extLst>
               <a:ext uri="{FF2B5EF4-FFF2-40B4-BE49-F238E27FC236}">
-                <a16:creationId xmlns:a16="http://schemas.microsoft.com/office/drawing/2014/main" id="{9D32FF55-37BC-1F40-F101-717162BFD1DC}"/>
+                <a16:creationId xmlns:a16="http://schemas.microsoft.com/office/drawing/2014/main" id="{976D399F-2DEE-42CD-9921-11D567921710}"/>
               </a:ext>
             </a:extLst>
           </p:cNvPr>
@@ -1380,7 +1380,7 @@
           <p:cNvPr id="5" name="日期占位符 4">
             <a:extLst>
               <a:ext uri="{FF2B5EF4-FFF2-40B4-BE49-F238E27FC236}">
-                <a16:creationId xmlns:a16="http://schemas.microsoft.com/office/drawing/2014/main" id="{E4BC03E1-4615-F613-2D7A-D0AAD1083950}"/>
+                <a16:creationId xmlns:a16="http://schemas.microsoft.com/office/drawing/2014/main" id="{F0BEE599-8805-C6C7-8439-7F206678C614}"/>
               </a:ext>
             </a:extLst>
           </p:cNvPr>
@@ -1396,7 +1396,7 @@
           <a:bodyPr/>
           <a:lstStyle/>
           <a:p>
-            <a:fld id="{DD481124-B3B8-4D49-810C-CFD115B4792B}" type="datetimeFigureOut">
+            <a:fld id="{0B90D8ED-0D70-4E65-8CF2-6E025873F411}" type="datetimeFigureOut">
               <a:rPr lang="zh-CN" altLang="en-US" smtClean="0"/>
               <a:t>2024/3/10</a:t>
             </a:fld>
@@ -1409,7 +1409,7 @@
           <p:cNvPr id="6" name="页脚占位符 5">
             <a:extLst>
               <a:ext uri="{FF2B5EF4-FFF2-40B4-BE49-F238E27FC236}">
-                <a16:creationId xmlns:a16="http://schemas.microsoft.com/office/drawing/2014/main" id="{867DD06C-B723-0B0C-8660-1EC6C85DE637}"/>
+                <a16:creationId xmlns:a16="http://schemas.microsoft.com/office/drawing/2014/main" id="{53CB088F-B1D1-B6ED-1C18-8A65813427F2}"/>
               </a:ext>
             </a:extLst>
           </p:cNvPr>
@@ -1434,7 +1434,7 @@
           <p:cNvPr id="7" name="灯片编号占位符 6">
             <a:extLst>
               <a:ext uri="{FF2B5EF4-FFF2-40B4-BE49-F238E27FC236}">
-                <a16:creationId xmlns:a16="http://schemas.microsoft.com/office/drawing/2014/main" id="{F9760CED-BDFC-DE03-624A-6DFB89C0F90A}"/>
+                <a16:creationId xmlns:a16="http://schemas.microsoft.com/office/drawing/2014/main" id="{40BFBF9E-2E95-E1B9-2375-C6B48248C653}"/>
               </a:ext>
             </a:extLst>
           </p:cNvPr>
@@ -1450,7 +1450,7 @@
           <a:bodyPr/>
           <a:lstStyle/>
           <a:p>
-            <a:fld id="{1632F4BE-3C1C-4F07-A1E4-FC9BD320CFFF}" type="slidenum">
+            <a:fld id="{63AC7DAD-8305-483E-9B52-262CB7BAEC1C}" type="slidenum">
               <a:rPr lang="zh-CN" altLang="en-US" smtClean="0"/>
               <a:t>‹#›</a:t>
             </a:fld>
@@ -1461,7 +1461,7 @@
     </p:spTree>
     <p:extLst>
       <p:ext uri="{BB962C8B-B14F-4D97-AF65-F5344CB8AC3E}">
-        <p14:creationId xmlns:p14="http://schemas.microsoft.com/office/powerpoint/2010/main" val="1476115207"/>
+        <p14:creationId xmlns:p14="http://schemas.microsoft.com/office/powerpoint/2010/main" val="3192469587"/>
       </p:ext>
     </p:extLst>
   </p:cSld>
@@ -1493,7 +1493,7 @@
           <p:cNvPr id="2" name="标题 1">
             <a:extLst>
               <a:ext uri="{FF2B5EF4-FFF2-40B4-BE49-F238E27FC236}">
-                <a16:creationId xmlns:a16="http://schemas.microsoft.com/office/drawing/2014/main" id="{AAA0CCC0-4615-78A4-1257-87F9A9BBC4EA}"/>
+                <a16:creationId xmlns:a16="http://schemas.microsoft.com/office/drawing/2014/main" id="{794954EC-2441-5E8C-5B8F-5AFFFFEB3A8D}"/>
               </a:ext>
             </a:extLst>
           </p:cNvPr>
@@ -1526,7 +1526,7 @@
           <p:cNvPr id="3" name="文本占位符 2">
             <a:extLst>
               <a:ext uri="{FF2B5EF4-FFF2-40B4-BE49-F238E27FC236}">
-                <a16:creationId xmlns:a16="http://schemas.microsoft.com/office/drawing/2014/main" id="{9E24D76B-1C18-239F-8B69-53A2CB1F1516}"/>
+                <a16:creationId xmlns:a16="http://schemas.microsoft.com/office/drawing/2014/main" id="{2FBFB346-ADFB-7D57-FF2A-415776EFB41F}"/>
               </a:ext>
             </a:extLst>
           </p:cNvPr>
@@ -1597,7 +1597,7 @@
           <p:cNvPr id="4" name="内容占位符 3">
             <a:extLst>
               <a:ext uri="{FF2B5EF4-FFF2-40B4-BE49-F238E27FC236}">
-                <a16:creationId xmlns:a16="http://schemas.microsoft.com/office/drawing/2014/main" id="{FD675E16-A04B-C5A7-E26E-780A330037F8}"/>
+                <a16:creationId xmlns:a16="http://schemas.microsoft.com/office/drawing/2014/main" id="{68F5C700-4E2D-9191-5AAC-6BFC7239B589}"/>
               </a:ext>
             </a:extLst>
           </p:cNvPr>
@@ -1659,7 +1659,7 @@
           <p:cNvPr id="5" name="文本占位符 4">
             <a:extLst>
               <a:ext uri="{FF2B5EF4-FFF2-40B4-BE49-F238E27FC236}">
-                <a16:creationId xmlns:a16="http://schemas.microsoft.com/office/drawing/2014/main" id="{0192E34B-7226-A583-24B7-8866724D960F}"/>
+                <a16:creationId xmlns:a16="http://schemas.microsoft.com/office/drawing/2014/main" id="{AE1C10E2-5E54-8982-1E4A-3D2D92BBA3D5}"/>
               </a:ext>
             </a:extLst>
           </p:cNvPr>
@@ -1730,7 +1730,7 @@
           <p:cNvPr id="6" name="内容占位符 5">
             <a:extLst>
               <a:ext uri="{FF2B5EF4-FFF2-40B4-BE49-F238E27FC236}">
-                <a16:creationId xmlns:a16="http://schemas.microsoft.com/office/drawing/2014/main" id="{A27616D4-5A8C-59FC-74E3-F18EE8501FFC}"/>
+                <a16:creationId xmlns:a16="http://schemas.microsoft.com/office/drawing/2014/main" id="{3948AD5E-C7DD-A5A1-18AC-4D87FB4C0494}"/>
               </a:ext>
             </a:extLst>
           </p:cNvPr>
@@ -1792,7 +1792,7 @@
           <p:cNvPr id="7" name="日期占位符 6">
             <a:extLst>
               <a:ext uri="{FF2B5EF4-FFF2-40B4-BE49-F238E27FC236}">
-                <a16:creationId xmlns:a16="http://schemas.microsoft.com/office/drawing/2014/main" id="{B5D38830-DD6D-3716-E5E2-39E618B1792C}"/>
+                <a16:creationId xmlns:a16="http://schemas.microsoft.com/office/drawing/2014/main" id="{7F0EAEC4-9881-DA5C-CD60-35071B772A90}"/>
               </a:ext>
             </a:extLst>
           </p:cNvPr>
@@ -1808,7 +1808,7 @@
           <a:bodyPr/>
           <a:lstStyle/>
           <a:p>
-            <a:fld id="{DD481124-B3B8-4D49-810C-CFD115B4792B}" type="datetimeFigureOut">
+            <a:fld id="{0B90D8ED-0D70-4E65-8CF2-6E025873F411}" type="datetimeFigureOut">
               <a:rPr lang="zh-CN" altLang="en-US" smtClean="0"/>
               <a:t>2024/3/10</a:t>
             </a:fld>
@@ -1821,7 +1821,7 @@
           <p:cNvPr id="8" name="页脚占位符 7">
             <a:extLst>
               <a:ext uri="{FF2B5EF4-FFF2-40B4-BE49-F238E27FC236}">
-                <a16:creationId xmlns:a16="http://schemas.microsoft.com/office/drawing/2014/main" id="{15BAF6FE-51D1-627F-73CD-C336BD1E7D07}"/>
+                <a16:creationId xmlns:a16="http://schemas.microsoft.com/office/drawing/2014/main" id="{7B109A3A-3097-3BD2-A510-737A497DC27A}"/>
               </a:ext>
             </a:extLst>
           </p:cNvPr>
@@ -1846,7 +1846,7 @@
           <p:cNvPr id="9" name="灯片编号占位符 8">
             <a:extLst>
               <a:ext uri="{FF2B5EF4-FFF2-40B4-BE49-F238E27FC236}">
-                <a16:creationId xmlns:a16="http://schemas.microsoft.com/office/drawing/2014/main" id="{6694A6A5-DF72-D799-4450-097C50B8F336}"/>
+                <a16:creationId xmlns:a16="http://schemas.microsoft.com/office/drawing/2014/main" id="{44F4F3E5-81B2-4E56-A582-43E70C2E28AE}"/>
               </a:ext>
             </a:extLst>
           </p:cNvPr>
@@ -1862,7 +1862,7 @@
           <a:bodyPr/>
           <a:lstStyle/>
           <a:p>
-            <a:fld id="{1632F4BE-3C1C-4F07-A1E4-FC9BD320CFFF}" type="slidenum">
+            <a:fld id="{63AC7DAD-8305-483E-9B52-262CB7BAEC1C}" type="slidenum">
               <a:rPr lang="zh-CN" altLang="en-US" smtClean="0"/>
               <a:t>‹#›</a:t>
             </a:fld>
@@ -1873,7 +1873,7 @@
     </p:spTree>
     <p:extLst>
       <p:ext uri="{BB962C8B-B14F-4D97-AF65-F5344CB8AC3E}">
-        <p14:creationId xmlns:p14="http://schemas.microsoft.com/office/powerpoint/2010/main" val="3211822754"/>
+        <p14:creationId xmlns:p14="http://schemas.microsoft.com/office/powerpoint/2010/main" val="4061295584"/>
       </p:ext>
     </p:extLst>
   </p:cSld>
@@ -1905,7 +1905,7 @@
           <p:cNvPr id="2" name="标题 1">
             <a:extLst>
               <a:ext uri="{FF2B5EF4-FFF2-40B4-BE49-F238E27FC236}">
-                <a16:creationId xmlns:a16="http://schemas.microsoft.com/office/drawing/2014/main" id="{CC9AFD64-B27B-3633-EE17-C5C2A7D8B5CA}"/>
+                <a16:creationId xmlns:a16="http://schemas.microsoft.com/office/drawing/2014/main" id="{2C740A95-FD2B-093E-9BD6-546100D4A667}"/>
               </a:ext>
             </a:extLst>
           </p:cNvPr>
@@ -1933,7 +1933,7 @@
           <p:cNvPr id="3" name="日期占位符 2">
             <a:extLst>
               <a:ext uri="{FF2B5EF4-FFF2-40B4-BE49-F238E27FC236}">
-                <a16:creationId xmlns:a16="http://schemas.microsoft.com/office/drawing/2014/main" id="{4D3CE848-35D4-7C19-F0D1-EEA72A903FEF}"/>
+                <a16:creationId xmlns:a16="http://schemas.microsoft.com/office/drawing/2014/main" id="{C39800B3-9010-1107-4D38-E63D4622E016}"/>
               </a:ext>
             </a:extLst>
           </p:cNvPr>
@@ -1949,7 +1949,7 @@
           <a:bodyPr/>
           <a:lstStyle/>
           <a:p>
-            <a:fld id="{DD481124-B3B8-4D49-810C-CFD115B4792B}" type="datetimeFigureOut">
+            <a:fld id="{0B90D8ED-0D70-4E65-8CF2-6E025873F411}" type="datetimeFigureOut">
               <a:rPr lang="zh-CN" altLang="en-US" smtClean="0"/>
               <a:t>2024/3/10</a:t>
             </a:fld>
@@ -1962,7 +1962,7 @@
           <p:cNvPr id="4" name="页脚占位符 3">
             <a:extLst>
               <a:ext uri="{FF2B5EF4-FFF2-40B4-BE49-F238E27FC236}">
-                <a16:creationId xmlns:a16="http://schemas.microsoft.com/office/drawing/2014/main" id="{580CD3E0-5701-4C0F-AF90-1E2453E5A8F7}"/>
+                <a16:creationId xmlns:a16="http://schemas.microsoft.com/office/drawing/2014/main" id="{0CD69283-73B5-B391-F43D-825D55CF2D13}"/>
               </a:ext>
             </a:extLst>
           </p:cNvPr>
@@ -1987,7 +1987,7 @@
           <p:cNvPr id="5" name="灯片编号占位符 4">
             <a:extLst>
               <a:ext uri="{FF2B5EF4-FFF2-40B4-BE49-F238E27FC236}">
-                <a16:creationId xmlns:a16="http://schemas.microsoft.com/office/drawing/2014/main" id="{247C7CC0-482A-80CB-DCE4-DFB9A7435052}"/>
+                <a16:creationId xmlns:a16="http://schemas.microsoft.com/office/drawing/2014/main" id="{AC3B8AA7-4BE0-5CF1-CA0E-35FAFBF6A0BB}"/>
               </a:ext>
             </a:extLst>
           </p:cNvPr>
@@ -2003,7 +2003,7 @@
           <a:bodyPr/>
           <a:lstStyle/>
           <a:p>
-            <a:fld id="{1632F4BE-3C1C-4F07-A1E4-FC9BD320CFFF}" type="slidenum">
+            <a:fld id="{63AC7DAD-8305-483E-9B52-262CB7BAEC1C}" type="slidenum">
               <a:rPr lang="zh-CN" altLang="en-US" smtClean="0"/>
               <a:t>‹#›</a:t>
             </a:fld>
@@ -2014,7 +2014,7 @@
     </p:spTree>
     <p:extLst>
       <p:ext uri="{BB962C8B-B14F-4D97-AF65-F5344CB8AC3E}">
-        <p14:creationId xmlns:p14="http://schemas.microsoft.com/office/powerpoint/2010/main" val="2515115718"/>
+        <p14:creationId xmlns:p14="http://schemas.microsoft.com/office/powerpoint/2010/main" val="3781345984"/>
       </p:ext>
     </p:extLst>
   </p:cSld>
@@ -2046,7 +2046,7 @@
           <p:cNvPr id="2" name="日期占位符 1">
             <a:extLst>
               <a:ext uri="{FF2B5EF4-FFF2-40B4-BE49-F238E27FC236}">
-                <a16:creationId xmlns:a16="http://schemas.microsoft.com/office/drawing/2014/main" id="{E94A5112-1261-D5D4-D4FC-AA75200C1F1C}"/>
+                <a16:creationId xmlns:a16="http://schemas.microsoft.com/office/drawing/2014/main" id="{A8ED84BE-48B0-6BE4-337A-6D8B6CEFFB89}"/>
               </a:ext>
             </a:extLst>
           </p:cNvPr>
@@ -2062,7 +2062,7 @@
           <a:bodyPr/>
           <a:lstStyle/>
           <a:p>
-            <a:fld id="{DD481124-B3B8-4D49-810C-CFD115B4792B}" type="datetimeFigureOut">
+            <a:fld id="{0B90D8ED-0D70-4E65-8CF2-6E025873F411}" type="datetimeFigureOut">
               <a:rPr lang="zh-CN" altLang="en-US" smtClean="0"/>
               <a:t>2024/3/10</a:t>
             </a:fld>
@@ -2075,7 +2075,7 @@
           <p:cNvPr id="3" name="页脚占位符 2">
             <a:extLst>
               <a:ext uri="{FF2B5EF4-FFF2-40B4-BE49-F238E27FC236}">
-                <a16:creationId xmlns:a16="http://schemas.microsoft.com/office/drawing/2014/main" id="{936AE6F3-6130-BE2C-DF2E-E2B34060A6D7}"/>
+                <a16:creationId xmlns:a16="http://schemas.microsoft.com/office/drawing/2014/main" id="{56CF2B8B-4C16-EA51-1A03-4F383A8BD43F}"/>
               </a:ext>
             </a:extLst>
           </p:cNvPr>
@@ -2100,7 +2100,7 @@
           <p:cNvPr id="4" name="灯片编号占位符 3">
             <a:extLst>
               <a:ext uri="{FF2B5EF4-FFF2-40B4-BE49-F238E27FC236}">
-                <a16:creationId xmlns:a16="http://schemas.microsoft.com/office/drawing/2014/main" id="{51A33FB0-A4C4-45D0-01DA-4E3795C80175}"/>
+                <a16:creationId xmlns:a16="http://schemas.microsoft.com/office/drawing/2014/main" id="{A9FD1B2D-83D1-AFB8-3A42-DE465F445CD5}"/>
               </a:ext>
             </a:extLst>
           </p:cNvPr>
@@ -2116,7 +2116,7 @@
           <a:bodyPr/>
           <a:lstStyle/>
           <a:p>
-            <a:fld id="{1632F4BE-3C1C-4F07-A1E4-FC9BD320CFFF}" type="slidenum">
+            <a:fld id="{63AC7DAD-8305-483E-9B52-262CB7BAEC1C}" type="slidenum">
               <a:rPr lang="zh-CN" altLang="en-US" smtClean="0"/>
               <a:t>‹#›</a:t>
             </a:fld>
@@ -2127,7 +2127,7 @@
     </p:spTree>
     <p:extLst>
       <p:ext uri="{BB962C8B-B14F-4D97-AF65-F5344CB8AC3E}">
-        <p14:creationId xmlns:p14="http://schemas.microsoft.com/office/powerpoint/2010/main" val="1779843014"/>
+        <p14:creationId xmlns:p14="http://schemas.microsoft.com/office/powerpoint/2010/main" val="259565387"/>
       </p:ext>
     </p:extLst>
   </p:cSld>
@@ -2159,7 +2159,7 @@
           <p:cNvPr id="2" name="标题 1">
             <a:extLst>
               <a:ext uri="{FF2B5EF4-FFF2-40B4-BE49-F238E27FC236}">
-                <a16:creationId xmlns:a16="http://schemas.microsoft.com/office/drawing/2014/main" id="{08AAB059-0DC2-954F-F530-E9DDFD75F29C}"/>
+                <a16:creationId xmlns:a16="http://schemas.microsoft.com/office/drawing/2014/main" id="{660DDE90-CF44-4218-5A1C-D1656C1FB430}"/>
               </a:ext>
             </a:extLst>
           </p:cNvPr>
@@ -2196,7 +2196,7 @@
           <p:cNvPr id="3" name="内容占位符 2">
             <a:extLst>
               <a:ext uri="{FF2B5EF4-FFF2-40B4-BE49-F238E27FC236}">
-                <a16:creationId xmlns:a16="http://schemas.microsoft.com/office/drawing/2014/main" id="{5DC822BD-4E94-9410-61E2-0410D5D8D631}"/>
+                <a16:creationId xmlns:a16="http://schemas.microsoft.com/office/drawing/2014/main" id="{337466BB-5CF0-4BB4-8352-C89D670DE3F6}"/>
               </a:ext>
             </a:extLst>
           </p:cNvPr>
@@ -2286,7 +2286,7 @@
           <p:cNvPr id="4" name="文本占位符 3">
             <a:extLst>
               <a:ext uri="{FF2B5EF4-FFF2-40B4-BE49-F238E27FC236}">
-                <a16:creationId xmlns:a16="http://schemas.microsoft.com/office/drawing/2014/main" id="{14BC1C06-2C32-54E4-DC89-76BD9C6D931E}"/>
+                <a16:creationId xmlns:a16="http://schemas.microsoft.com/office/drawing/2014/main" id="{881B9E8D-A806-D88E-0031-274A7B2B882F}"/>
               </a:ext>
             </a:extLst>
           </p:cNvPr>
@@ -2357,7 +2357,7 @@
           <p:cNvPr id="5" name="日期占位符 4">
             <a:extLst>
               <a:ext uri="{FF2B5EF4-FFF2-40B4-BE49-F238E27FC236}">
-                <a16:creationId xmlns:a16="http://schemas.microsoft.com/office/drawing/2014/main" id="{63E1A96E-D451-2BCF-D99F-BE02B61C95B0}"/>
+                <a16:creationId xmlns:a16="http://schemas.microsoft.com/office/drawing/2014/main" id="{01FA58F0-088A-EADF-5760-54D8A904133A}"/>
               </a:ext>
             </a:extLst>
           </p:cNvPr>
@@ -2373,7 +2373,7 @@
           <a:bodyPr/>
           <a:lstStyle/>
           <a:p>
-            <a:fld id="{DD481124-B3B8-4D49-810C-CFD115B4792B}" type="datetimeFigureOut">
+            <a:fld id="{0B90D8ED-0D70-4E65-8CF2-6E025873F411}" type="datetimeFigureOut">
               <a:rPr lang="zh-CN" altLang="en-US" smtClean="0"/>
               <a:t>2024/3/10</a:t>
             </a:fld>
@@ -2386,7 +2386,7 @@
           <p:cNvPr id="6" name="页脚占位符 5">
             <a:extLst>
               <a:ext uri="{FF2B5EF4-FFF2-40B4-BE49-F238E27FC236}">
-                <a16:creationId xmlns:a16="http://schemas.microsoft.com/office/drawing/2014/main" id="{D972BCD3-2FDA-3B5F-6F5A-9EB02B63F24A}"/>
+                <a16:creationId xmlns:a16="http://schemas.microsoft.com/office/drawing/2014/main" id="{1243F03C-959D-0E7E-37D9-F322F5DFD8C1}"/>
               </a:ext>
             </a:extLst>
           </p:cNvPr>
@@ -2411,7 +2411,7 @@
           <p:cNvPr id="7" name="灯片编号占位符 6">
             <a:extLst>
               <a:ext uri="{FF2B5EF4-FFF2-40B4-BE49-F238E27FC236}">
-                <a16:creationId xmlns:a16="http://schemas.microsoft.com/office/drawing/2014/main" id="{794A77CF-C0BF-EF64-9579-635FDC4F4B34}"/>
+                <a16:creationId xmlns:a16="http://schemas.microsoft.com/office/drawing/2014/main" id="{CDF87CF0-3353-3449-E511-80811974AFFE}"/>
               </a:ext>
             </a:extLst>
           </p:cNvPr>
@@ -2427,7 +2427,7 @@
           <a:bodyPr/>
           <a:lstStyle/>
           <a:p>
-            <a:fld id="{1632F4BE-3C1C-4F07-A1E4-FC9BD320CFFF}" type="slidenum">
+            <a:fld id="{63AC7DAD-8305-483E-9B52-262CB7BAEC1C}" type="slidenum">
               <a:rPr lang="zh-CN" altLang="en-US" smtClean="0"/>
               <a:t>‹#›</a:t>
             </a:fld>
@@ -2438,7 +2438,7 @@
     </p:spTree>
     <p:extLst>
       <p:ext uri="{BB962C8B-B14F-4D97-AF65-F5344CB8AC3E}">
-        <p14:creationId xmlns:p14="http://schemas.microsoft.com/office/powerpoint/2010/main" val="2508517188"/>
+        <p14:creationId xmlns:p14="http://schemas.microsoft.com/office/powerpoint/2010/main" val="1524267129"/>
       </p:ext>
     </p:extLst>
   </p:cSld>
@@ -2470,7 +2470,7 @@
           <p:cNvPr id="2" name="标题 1">
             <a:extLst>
               <a:ext uri="{FF2B5EF4-FFF2-40B4-BE49-F238E27FC236}">
-                <a16:creationId xmlns:a16="http://schemas.microsoft.com/office/drawing/2014/main" id="{9A0C8C1F-2DED-3BDC-64FA-F52F66B247A1}"/>
+                <a16:creationId xmlns:a16="http://schemas.microsoft.com/office/drawing/2014/main" id="{B01AC813-3106-F2B0-16AC-C0BFC124CE95}"/>
               </a:ext>
             </a:extLst>
           </p:cNvPr>
@@ -2507,7 +2507,7 @@
           <p:cNvPr id="3" name="图片占位符 2">
             <a:extLst>
               <a:ext uri="{FF2B5EF4-FFF2-40B4-BE49-F238E27FC236}">
-                <a16:creationId xmlns:a16="http://schemas.microsoft.com/office/drawing/2014/main" id="{4B6883D6-CDEC-098C-B598-DD0816A5B780}"/>
+                <a16:creationId xmlns:a16="http://schemas.microsoft.com/office/drawing/2014/main" id="{CBE66B83-FB55-7AF7-0723-869F92B91628}"/>
               </a:ext>
             </a:extLst>
           </p:cNvPr>
@@ -2574,7 +2574,7 @@
           <p:cNvPr id="4" name="文本占位符 3">
             <a:extLst>
               <a:ext uri="{FF2B5EF4-FFF2-40B4-BE49-F238E27FC236}">
-                <a16:creationId xmlns:a16="http://schemas.microsoft.com/office/drawing/2014/main" id="{8BCE3B9A-9C99-13B1-2EEA-077BE710B454}"/>
+                <a16:creationId xmlns:a16="http://schemas.microsoft.com/office/drawing/2014/main" id="{8EB15072-373A-9DF3-452A-B213E3D64EAC}"/>
               </a:ext>
             </a:extLst>
           </p:cNvPr>
@@ -2645,7 +2645,7 @@
           <p:cNvPr id="5" name="日期占位符 4">
             <a:extLst>
               <a:ext uri="{FF2B5EF4-FFF2-40B4-BE49-F238E27FC236}">
-                <a16:creationId xmlns:a16="http://schemas.microsoft.com/office/drawing/2014/main" id="{B7AC769B-E11D-C9BF-5075-8DB8FF2252C6}"/>
+                <a16:creationId xmlns:a16="http://schemas.microsoft.com/office/drawing/2014/main" id="{2F249B4D-552D-058F-1B98-87052CD6F20B}"/>
               </a:ext>
             </a:extLst>
           </p:cNvPr>
@@ -2661,7 +2661,7 @@
           <a:bodyPr/>
           <a:lstStyle/>
           <a:p>
-            <a:fld id="{DD481124-B3B8-4D49-810C-CFD115B4792B}" type="datetimeFigureOut">
+            <a:fld id="{0B90D8ED-0D70-4E65-8CF2-6E025873F411}" type="datetimeFigureOut">
               <a:rPr lang="zh-CN" altLang="en-US" smtClean="0"/>
               <a:t>2024/3/10</a:t>
             </a:fld>
@@ -2674,7 +2674,7 @@
           <p:cNvPr id="6" name="页脚占位符 5">
             <a:extLst>
               <a:ext uri="{FF2B5EF4-FFF2-40B4-BE49-F238E27FC236}">
-                <a16:creationId xmlns:a16="http://schemas.microsoft.com/office/drawing/2014/main" id="{3F24359F-A792-EA52-1F60-AE15241D9D5A}"/>
+                <a16:creationId xmlns:a16="http://schemas.microsoft.com/office/drawing/2014/main" id="{B90D43C7-7C69-43EF-50DE-7677E7FF540C}"/>
               </a:ext>
             </a:extLst>
           </p:cNvPr>
@@ -2699,7 +2699,7 @@
           <p:cNvPr id="7" name="灯片编号占位符 6">
             <a:extLst>
               <a:ext uri="{FF2B5EF4-FFF2-40B4-BE49-F238E27FC236}">
-                <a16:creationId xmlns:a16="http://schemas.microsoft.com/office/drawing/2014/main" id="{46C520D4-01FC-34D1-3F1F-1268A680A378}"/>
+                <a16:creationId xmlns:a16="http://schemas.microsoft.com/office/drawing/2014/main" id="{F084FE65-0E87-DD04-96A5-080784929004}"/>
               </a:ext>
             </a:extLst>
           </p:cNvPr>
@@ -2715,7 +2715,7 @@
           <a:bodyPr/>
           <a:lstStyle/>
           <a:p>
-            <a:fld id="{1632F4BE-3C1C-4F07-A1E4-FC9BD320CFFF}" type="slidenum">
+            <a:fld id="{63AC7DAD-8305-483E-9B52-262CB7BAEC1C}" type="slidenum">
               <a:rPr lang="zh-CN" altLang="en-US" smtClean="0"/>
               <a:t>‹#›</a:t>
             </a:fld>
@@ -2726,7 +2726,7 @@
     </p:spTree>
     <p:extLst>
       <p:ext uri="{BB962C8B-B14F-4D97-AF65-F5344CB8AC3E}">
-        <p14:creationId xmlns:p14="http://schemas.microsoft.com/office/powerpoint/2010/main" val="349392885"/>
+        <p14:creationId xmlns:p14="http://schemas.microsoft.com/office/powerpoint/2010/main" val="741786589"/>
       </p:ext>
     </p:extLst>
   </p:cSld>
@@ -2763,7 +2763,7 @@
           <p:cNvPr id="2" name="标题占位符 1">
             <a:extLst>
               <a:ext uri="{FF2B5EF4-FFF2-40B4-BE49-F238E27FC236}">
-                <a16:creationId xmlns:a16="http://schemas.microsoft.com/office/drawing/2014/main" id="{18D61C5C-5752-85D9-EBE6-54D769A4B163}"/>
+                <a16:creationId xmlns:a16="http://schemas.microsoft.com/office/drawing/2014/main" id="{B53D7A10-1441-4F1C-FED0-C2E5F302D71D}"/>
               </a:ext>
             </a:extLst>
           </p:cNvPr>
@@ -2801,7 +2801,7 @@
           <p:cNvPr id="3" name="文本占位符 2">
             <a:extLst>
               <a:ext uri="{FF2B5EF4-FFF2-40B4-BE49-F238E27FC236}">
-                <a16:creationId xmlns:a16="http://schemas.microsoft.com/office/drawing/2014/main" id="{0DAE47AD-1DB6-45CD-520C-73885A703073}"/>
+                <a16:creationId xmlns:a16="http://schemas.microsoft.com/office/drawing/2014/main" id="{AC863702-D30E-E57F-C168-2C560E3F077E}"/>
               </a:ext>
             </a:extLst>
           </p:cNvPr>
@@ -2868,7 +2868,7 @@
           <p:cNvPr id="4" name="日期占位符 3">
             <a:extLst>
               <a:ext uri="{FF2B5EF4-FFF2-40B4-BE49-F238E27FC236}">
-                <a16:creationId xmlns:a16="http://schemas.microsoft.com/office/drawing/2014/main" id="{CD6FDC41-6AD8-9AAD-D9C3-588E1112BE7B}"/>
+                <a16:creationId xmlns:a16="http://schemas.microsoft.com/office/drawing/2014/main" id="{5ECA4A90-7EE9-01FB-613C-5B66708420F8}"/>
               </a:ext>
             </a:extLst>
           </p:cNvPr>
@@ -2902,7 +2902,7 @@
             </a:lvl1pPr>
           </a:lstStyle>
           <a:p>
-            <a:fld id="{DD481124-B3B8-4D49-810C-CFD115B4792B}" type="datetimeFigureOut">
+            <a:fld id="{0B90D8ED-0D70-4E65-8CF2-6E025873F411}" type="datetimeFigureOut">
               <a:rPr lang="zh-CN" altLang="en-US" smtClean="0"/>
               <a:t>2024/3/10</a:t>
             </a:fld>
@@ -2915,7 +2915,7 @@
           <p:cNvPr id="5" name="页脚占位符 4">
             <a:extLst>
               <a:ext uri="{FF2B5EF4-FFF2-40B4-BE49-F238E27FC236}">
-                <a16:creationId xmlns:a16="http://schemas.microsoft.com/office/drawing/2014/main" id="{26D14128-8CC8-1A77-D8C9-6E60D6AA07F5}"/>
+                <a16:creationId xmlns:a16="http://schemas.microsoft.com/office/drawing/2014/main" id="{79E48ABF-57C5-9543-6996-9519C7F50656}"/>
               </a:ext>
             </a:extLst>
           </p:cNvPr>
@@ -2958,7 +2958,7 @@
           <p:cNvPr id="6" name="灯片编号占位符 5">
             <a:extLst>
               <a:ext uri="{FF2B5EF4-FFF2-40B4-BE49-F238E27FC236}">
-                <a16:creationId xmlns:a16="http://schemas.microsoft.com/office/drawing/2014/main" id="{476BA687-7702-3391-9BB8-D5E00389A26A}"/>
+                <a16:creationId xmlns:a16="http://schemas.microsoft.com/office/drawing/2014/main" id="{98F02EF0-0EA3-C230-ACF1-C96E29167BD9}"/>
               </a:ext>
             </a:extLst>
           </p:cNvPr>
@@ -2992,7 +2992,7 @@
             </a:lvl1pPr>
           </a:lstStyle>
           <a:p>
-            <a:fld id="{1632F4BE-3C1C-4F07-A1E4-FC9BD320CFFF}" type="slidenum">
+            <a:fld id="{63AC7DAD-8305-483E-9B52-262CB7BAEC1C}" type="slidenum">
               <a:rPr lang="zh-CN" altLang="en-US" smtClean="0"/>
               <a:t>‹#›</a:t>
             </a:fld>
@@ -3003,7 +3003,7 @@
     </p:spTree>
     <p:extLst>
       <p:ext uri="{BB962C8B-B14F-4D97-AF65-F5344CB8AC3E}">
-        <p14:creationId xmlns:p14="http://schemas.microsoft.com/office/powerpoint/2010/main" val="618741204"/>
+        <p14:creationId xmlns:p14="http://schemas.microsoft.com/office/powerpoint/2010/main" val="1649200186"/>
       </p:ext>
     </p:extLst>
   </p:cSld>
@@ -3323,7 +3323,7 @@
       </p:grpSpPr>
       <p:pic>
         <p:nvPicPr>
-          <p:cNvPr id="898050" name="Picture 2" descr="876"/>
+          <p:cNvPr id="899074" name="Picture 2" descr="877"/>
           <p:cNvPicPr>
             <a:picLocks noChangeAspect="1" noChangeArrowheads="1"/>
           </p:cNvPicPr>
@@ -3344,8 +3344,8 @@
         </p:blipFill>
         <p:spPr bwMode="auto">
           <a:xfrm>
-            <a:off x="1524001" y="0"/>
-            <a:ext cx="9053513" cy="6789738"/>
+            <a:off x="1524000" y="1"/>
+            <a:ext cx="9124950" cy="6843713"/>
           </a:xfrm>
           <a:prstGeom prst="rect">
             <a:avLst/>
@@ -3375,158 +3375,11 @@
           </a:extLst>
         </p:spPr>
       </p:pic>
-      <p:pic>
-        <p:nvPicPr>
-          <p:cNvPr id="899075" name="Picture 3" descr="876-2"/>
-          <p:cNvPicPr>
-            <a:picLocks noChangeAspect="1" noChangeArrowheads="1"/>
-          </p:cNvPicPr>
-          <p:nvPr/>
-        </p:nvPicPr>
-        <p:blipFill>
-          <a:blip r:embed="rId3">
-            <a:extLst>
-              <a:ext uri="{28A0092B-C50C-407E-A947-70E740481C1C}">
-                <a14:useLocalDpi xmlns:a14="http://schemas.microsoft.com/office/drawing/2010/main" val="0"/>
-              </a:ext>
-            </a:extLst>
-          </a:blip>
-          <a:srcRect/>
-          <a:stretch>
-            <a:fillRect/>
-          </a:stretch>
-        </p:blipFill>
-        <p:spPr bwMode="auto">
-          <a:xfrm>
-            <a:off x="1501776" y="0"/>
-            <a:ext cx="9110663" cy="6845300"/>
-          </a:xfrm>
-          <a:prstGeom prst="rect">
-            <a:avLst/>
-          </a:prstGeom>
-          <a:noFill/>
-          <a:ln>
-            <a:noFill/>
-          </a:ln>
-          <a:effectLst/>
-          <a:extLst>
-            <a:ext uri="{909E8E84-426E-40DD-AFC4-6F175D3DCCD1}">
-              <a14:hiddenFill xmlns:a14="http://schemas.microsoft.com/office/drawing/2010/main">
-                <a:solidFill>
-                  <a:srgbClr val="FFFFFF"/>
-                </a:solidFill>
-              </a14:hiddenFill>
-            </a:ext>
-            <a:ext uri="{91240B29-F687-4F45-9708-019B960494DF}">
-              <a14:hiddenLine xmlns:a14="http://schemas.microsoft.com/office/drawing/2010/main" w="9525">
-                <a:solidFill>
-                  <a:srgbClr val="000000"/>
-                </a:solidFill>
-                <a:miter lim="800000"/>
-                <a:headEnd/>
-                <a:tailEnd/>
-              </a14:hiddenLine>
-            </a:ext>
-            <a:ext uri="{AF507438-7753-43E0-B8FC-AC1667EBCBE1}">
-              <a14:hiddenEffects xmlns:a14="http://schemas.microsoft.com/office/drawing/2010/main">
-                <a:effectLst>
-                  <a:outerShdw dist="35921" dir="2700000" algn="ctr" rotWithShape="0">
-                    <a:srgbClr val="808080"/>
-                  </a:outerShdw>
-                </a:effectLst>
-              </a14:hiddenEffects>
-            </a:ext>
-          </a:extLst>
-        </p:spPr>
-      </p:pic>
     </p:spTree>
   </p:cSld>
   <p:clrMapOvr>
     <a:masterClrMapping/>
   </p:clrMapOvr>
-  <p:timing>
-    <p:tnLst>
-      <p:par>
-        <p:cTn id="1" dur="indefinite" restart="never" nodeType="tmRoot">
-          <p:childTnLst>
-            <p:seq concurrent="1" nextAc="seek">
-              <p:cTn id="2" dur="indefinite" nodeType="mainSeq">
-                <p:childTnLst>
-                  <p:par>
-                    <p:cTn id="3" fill="hold" nodeType="clickPar">
-                      <p:stCondLst>
-                        <p:cond delay="indefinite"/>
-                      </p:stCondLst>
-                      <p:childTnLst>
-                        <p:par>
-                          <p:cTn id="4" fill="hold" nodeType="withGroup">
-                            <p:stCondLst>
-                              <p:cond delay="0"/>
-                            </p:stCondLst>
-                            <p:childTnLst>
-                              <p:par>
-                                <p:cTn id="5" presetID="10" presetClass="entr" presetSubtype="0" fill="hold" nodeType="clickEffect">
-                                  <p:stCondLst>
-                                    <p:cond delay="0"/>
-                                  </p:stCondLst>
-                                  <p:childTnLst>
-                                    <p:set>
-                                      <p:cBhvr>
-                                        <p:cTn id="6" dur="1" fill="hold">
-                                          <p:stCondLst>
-                                            <p:cond delay="0"/>
-                                          </p:stCondLst>
-                                        </p:cTn>
-                                        <p:tgtEl>
-                                          <p:spTgt spid="899075"/>
-                                        </p:tgtEl>
-                                        <p:attrNameLst>
-                                          <p:attrName>style.visibility</p:attrName>
-                                        </p:attrNameLst>
-                                      </p:cBhvr>
-                                      <p:to>
-                                        <p:strVal val="visible"/>
-                                      </p:to>
-                                    </p:set>
-                                    <p:animEffect transition="in" filter="fade">
-                                      <p:cBhvr>
-                                        <p:cTn id="7" dur="500"/>
-                                        <p:tgtEl>
-                                          <p:spTgt spid="899075"/>
-                                        </p:tgtEl>
-                                      </p:cBhvr>
-                                    </p:animEffect>
-                                  </p:childTnLst>
-                                </p:cTn>
-                              </p:par>
-                            </p:childTnLst>
-                          </p:cTn>
-                        </p:par>
-                      </p:childTnLst>
-                    </p:cTn>
-                  </p:par>
-                </p:childTnLst>
-              </p:cTn>
-              <p:prevCondLst>
-                <p:cond evt="onPrev" delay="0">
-                  <p:tgtEl>
-                    <p:sldTgt/>
-                  </p:tgtEl>
-                </p:cond>
-              </p:prevCondLst>
-              <p:nextCondLst>
-                <p:cond evt="onNext" delay="0">
-                  <p:tgtEl>
-                    <p:sldTgt/>
-                  </p:tgtEl>
-                </p:cond>
-              </p:nextCondLst>
-            </p:seq>
-          </p:childTnLst>
-        </p:cTn>
-      </p:par>
-    </p:tnLst>
-  </p:timing>
 </p:sld>
 </file>
 
